--- a/ETL Presentation.pptx
+++ b/ETL Presentation.pptx
@@ -12,10 +12,12 @@
     <p:sldId id="260" r:id="rId6"/>
     <p:sldId id="261" r:id="rId7"/>
     <p:sldId id="262" r:id="rId8"/>
-    <p:sldId id="266" r:id="rId9"/>
-    <p:sldId id="263" r:id="rId10"/>
-    <p:sldId id="264" r:id="rId11"/>
-    <p:sldId id="265" r:id="rId12"/>
+    <p:sldId id="267" r:id="rId9"/>
+    <p:sldId id="266" r:id="rId10"/>
+    <p:sldId id="263" r:id="rId11"/>
+    <p:sldId id="264" r:id="rId12"/>
+    <p:sldId id="265" r:id="rId13"/>
+    <p:sldId id="268" r:id="rId14"/>
   </p:sldIdLst>
   <p:sldSz cx="12192000" cy="6858000"/>
   <p:notesSz cx="6858000" cy="9144000"/>
@@ -114,6 +116,11 @@
       </a:defRPr>
     </a:lvl9pPr>
   </p:defaultTextStyle>
+  <p:extLst>
+    <p:ext uri="{EFAFB233-063F-42B5-8137-9DF3F51BA10A}">
+      <p15:sldGuideLst xmlns:p15="http://schemas.microsoft.com/office/powerpoint/2012/main"/>
+    </p:ext>
+  </p:extLst>
 </p:presentation>
 </file>
 
@@ -5835,7 +5842,23 @@
           <a:p>
             <a:r>
               <a:rPr lang="en-US" dirty="0"/>
-              <a:t>Team Members: Francis Yu, Chris Ng, Chetan </a:t>
+              <a:t>Team Members: Francis Yu, Chris Ng, </a:t>
+            </a:r>
+            <a:r>
+              <a:rPr lang="en-US" dirty="0" err="1"/>
+              <a:t>Cris</a:t>
+            </a:r>
+            <a:r>
+              <a:rPr lang="en-US" dirty="0"/>
+              <a:t> </a:t>
+            </a:r>
+            <a:r>
+              <a:rPr lang="en-US" dirty="0" err="1"/>
+              <a:t>Bangaoil</a:t>
+            </a:r>
+            <a:r>
+              <a:rPr lang="en-US" dirty="0"/>
+              <a:t>, Chetan </a:t>
             </a:r>
             <a:r>
               <a:rPr lang="en-US" dirty="0" err="1"/>
@@ -5843,7 +5866,7 @@
             </a:r>
             <a:r>
               <a:rPr lang="en-US" dirty="0"/>
-              <a:t>, Cris Bangaoil</a:t>
+              <a:t> </a:t>
             </a:r>
           </a:p>
         </p:txBody>
@@ -5862,6 +5885,127 @@
 </file>
 
 <file path=ppt/slides/slide10.xml><?xml version="1.0" encoding="utf-8"?>
+<p:sld xmlns:a="http://schemas.openxmlformats.org/drawingml/2006/main" xmlns:r="http://schemas.openxmlformats.org/officeDocument/2006/relationships" xmlns:p="http://schemas.openxmlformats.org/presentationml/2006/main">
+  <p:cSld>
+    <p:spTree>
+      <p:nvGrpSpPr>
+        <p:cNvPr id="1" name=""/>
+        <p:cNvGrpSpPr/>
+        <p:nvPr/>
+      </p:nvGrpSpPr>
+      <p:grpSpPr>
+        <a:xfrm>
+          <a:off x="0" y="0"/>
+          <a:ext cx="0" cy="0"/>
+          <a:chOff x="0" y="0"/>
+          <a:chExt cx="0" cy="0"/>
+        </a:xfrm>
+      </p:grpSpPr>
+      <p:sp>
+        <p:nvSpPr>
+          <p:cNvPr id="2" name="Title 1">
+            <a:extLst>
+              <a:ext uri="{FF2B5EF4-FFF2-40B4-BE49-F238E27FC236}">
+                <a16:creationId xmlns:a16="http://schemas.microsoft.com/office/drawing/2014/main" id="{43763C2F-7797-419B-BC0A-313ECF0C17B1}"/>
+              </a:ext>
+            </a:extLst>
+          </p:cNvPr>
+          <p:cNvSpPr>
+            <a:spLocks noGrp="1"/>
+          </p:cNvSpPr>
+          <p:nvPr>
+            <p:ph type="title"/>
+          </p:nvPr>
+        </p:nvSpPr>
+        <p:spPr/>
+        <p:txBody>
+          <a:bodyPr/>
+          <a:lstStyle/>
+          <a:p>
+            <a:r>
+              <a:rPr lang="en-US" dirty="0"/>
+              <a:t>Which site should you visit most</a:t>
+            </a:r>
+          </a:p>
+        </p:txBody>
+      </p:sp>
+      <p:sp>
+        <p:nvSpPr>
+          <p:cNvPr id="3" name="Content Placeholder 2">
+            <a:extLst>
+              <a:ext uri="{FF2B5EF4-FFF2-40B4-BE49-F238E27FC236}">
+                <a16:creationId xmlns:a16="http://schemas.microsoft.com/office/drawing/2014/main" id="{4F5EC512-2010-4F58-8FF1-4D5764643645}"/>
+              </a:ext>
+            </a:extLst>
+          </p:cNvPr>
+          <p:cNvSpPr>
+            <a:spLocks noGrp="1"/>
+          </p:cNvSpPr>
+          <p:nvPr>
+            <p:ph idx="1"/>
+          </p:nvPr>
+        </p:nvSpPr>
+        <p:spPr>
+          <a:xfrm>
+            <a:off x="677334" y="1379540"/>
+            <a:ext cx="8285691" cy="477836"/>
+          </a:xfrm>
+        </p:spPr>
+        <p:txBody>
+          <a:bodyPr/>
+          <a:lstStyle/>
+          <a:p>
+            <a:r>
+              <a:rPr lang="en-US" dirty="0"/>
+              <a:t>Pie chart of data science jobs of the 4 sources</a:t>
+            </a:r>
+          </a:p>
+        </p:txBody>
+      </p:sp>
+      <p:pic>
+        <p:nvPicPr>
+          <p:cNvPr id="9" name="Picture 8" descr="A picture containing accessory, text, businesscard&#10;&#10;Description generated with high confidence">
+            <a:extLst>
+              <a:ext uri="{FF2B5EF4-FFF2-40B4-BE49-F238E27FC236}">
+                <a16:creationId xmlns:a16="http://schemas.microsoft.com/office/drawing/2014/main" id="{4C514D3B-A7CA-45B3-90D7-89EFD7648FB7}"/>
+              </a:ext>
+            </a:extLst>
+          </p:cNvPr>
+          <p:cNvPicPr>
+            <a:picLocks noChangeAspect="1"/>
+          </p:cNvPicPr>
+          <p:nvPr/>
+        </p:nvPicPr>
+        <p:blipFill>
+          <a:blip r:embed="rId2"/>
+          <a:stretch>
+            <a:fillRect/>
+          </a:stretch>
+        </p:blipFill>
+        <p:spPr>
+          <a:xfrm>
+            <a:off x="1819275" y="2009776"/>
+            <a:ext cx="5631656" cy="4505325"/>
+          </a:xfrm>
+          <a:prstGeom prst="rect">
+            <a:avLst/>
+          </a:prstGeom>
+        </p:spPr>
+      </p:pic>
+    </p:spTree>
+    <p:extLst>
+      <p:ext uri="{BB962C8B-B14F-4D97-AF65-F5344CB8AC3E}">
+        <p14:creationId xmlns:p14="http://schemas.microsoft.com/office/powerpoint/2010/main" val="3696980901"/>
+      </p:ext>
+    </p:extLst>
+  </p:cSld>
+  <p:clrMapOvr>
+    <a:masterClrMapping/>
+  </p:clrMapOvr>
+</p:sld>
+</file>
+
+<file path=ppt/slides/slide11.xml><?xml version="1.0" encoding="utf-8"?>
 <p:sld xmlns:a="http://schemas.openxmlformats.org/drawingml/2006/main" xmlns:r="http://schemas.openxmlformats.org/officeDocument/2006/relationships" xmlns:p="http://schemas.openxmlformats.org/presentationml/2006/main">
   <p:cSld>
     <p:spTree>
@@ -5982,7 +6126,7 @@
 </p:sld>
 </file>
 
-<file path=ppt/slides/slide11.xml><?xml version="1.0" encoding="utf-8"?>
+<file path=ppt/slides/slide12.xml><?xml version="1.0" encoding="utf-8"?>
 <p:sld xmlns:a="http://schemas.openxmlformats.org/drawingml/2006/main" xmlns:r="http://schemas.openxmlformats.org/officeDocument/2006/relationships" xmlns:p="http://schemas.openxmlformats.org/presentationml/2006/main">
   <p:cSld>
     <p:spTree>
@@ -6043,7 +6187,12 @@
             <p:ph idx="1"/>
           </p:nvPr>
         </p:nvSpPr>
-        <p:spPr/>
+        <p:spPr>
+          <a:xfrm>
+            <a:off x="677334" y="1358283"/>
+            <a:ext cx="9620763" cy="5308847"/>
+          </a:xfrm>
+        </p:spPr>
         <p:txBody>
           <a:bodyPr/>
           <a:lstStyle/>
@@ -6056,8 +6205,21 @@
           <a:p>
             <a:pPr lvl="1"/>
             <a:r>
+              <a:rPr lang="en-US" sz="2600" dirty="0"/>
+              <a:t>Data Scientists are most wanted in SF, Bay Area and LA, San Diego. Not many openings in Central California</a:t>
+            </a:r>
+          </a:p>
+          <a:p>
+            <a:r>
+              <a:rPr lang="en-US" sz="3000" dirty="0"/>
+              <a:t>Get paid (and then increase your expenditures)</a:t>
+            </a:r>
+          </a:p>
+          <a:p>
+            <a:pPr lvl="1"/>
+            <a:r>
               <a:rPr lang="en-US" sz="2800" dirty="0"/>
-              <a:t>Get paid (and then increase your expenditures)</a:t>
+              <a:t> Data Scientists get paid highest in Bay Area, and higher in NorCal than SoCal.</a:t>
             </a:r>
           </a:p>
           <a:p>
@@ -6088,6 +6250,104 @@
     <p:extLst>
       <p:ext uri="{BB962C8B-B14F-4D97-AF65-F5344CB8AC3E}">
         <p14:creationId xmlns:p14="http://schemas.microsoft.com/office/powerpoint/2010/main" val="3666533909"/>
+      </p:ext>
+    </p:extLst>
+  </p:cSld>
+  <p:clrMapOvr>
+    <a:masterClrMapping/>
+  </p:clrMapOvr>
+</p:sld>
+</file>
+
+<file path=ppt/slides/slide13.xml><?xml version="1.0" encoding="utf-8"?>
+<p:sld xmlns:a="http://schemas.openxmlformats.org/drawingml/2006/main" xmlns:r="http://schemas.openxmlformats.org/officeDocument/2006/relationships" xmlns:p="http://schemas.openxmlformats.org/presentationml/2006/main">
+  <p:cSld>
+    <p:spTree>
+      <p:nvGrpSpPr>
+        <p:cNvPr id="1" name=""/>
+        <p:cNvGrpSpPr/>
+        <p:nvPr/>
+      </p:nvGrpSpPr>
+      <p:grpSpPr>
+        <a:xfrm>
+          <a:off x="0" y="0"/>
+          <a:ext cx="0" cy="0"/>
+          <a:chOff x="0" y="0"/>
+          <a:chExt cx="0" cy="0"/>
+        </a:xfrm>
+      </p:grpSpPr>
+      <p:sp>
+        <p:nvSpPr>
+          <p:cNvPr id="2" name="Title 1">
+            <a:extLst>
+              <a:ext uri="{FF2B5EF4-FFF2-40B4-BE49-F238E27FC236}">
+                <a16:creationId xmlns:a16="http://schemas.microsoft.com/office/drawing/2014/main" id="{F3F980CB-BFC5-4168-9F72-1453E6F507AE}"/>
+              </a:ext>
+            </a:extLst>
+          </p:cNvPr>
+          <p:cNvSpPr>
+            <a:spLocks noGrp="1"/>
+          </p:cNvSpPr>
+          <p:nvPr>
+            <p:ph type="title"/>
+          </p:nvPr>
+        </p:nvSpPr>
+        <p:spPr/>
+        <p:txBody>
+          <a:bodyPr/>
+          <a:lstStyle/>
+          <a:p>
+            <a:r>
+              <a:rPr lang="en-US" dirty="0"/>
+              <a:t>Limitations</a:t>
+            </a:r>
+          </a:p>
+        </p:txBody>
+      </p:sp>
+      <p:sp>
+        <p:nvSpPr>
+          <p:cNvPr id="3" name="Content Placeholder 2">
+            <a:extLst>
+              <a:ext uri="{FF2B5EF4-FFF2-40B4-BE49-F238E27FC236}">
+                <a16:creationId xmlns:a16="http://schemas.microsoft.com/office/drawing/2014/main" id="{51B99A5E-9006-42C2-925D-87B91530EAF7}"/>
+              </a:ext>
+            </a:extLst>
+          </p:cNvPr>
+          <p:cNvSpPr>
+            <a:spLocks noGrp="1"/>
+          </p:cNvSpPr>
+          <p:nvPr>
+            <p:ph idx="1"/>
+          </p:nvPr>
+        </p:nvSpPr>
+        <p:spPr/>
+        <p:txBody>
+          <a:bodyPr/>
+          <a:lstStyle/>
+          <a:p>
+            <a:r>
+              <a:rPr lang="en-US" dirty="0"/>
+              <a:t>We only include keywords of “Data Scientist” and “Data Science.”  Other relevant keywords could be “Data Analyst”, “Research Analyst”</a:t>
+            </a:r>
+          </a:p>
+          <a:p>
+            <a:r>
+              <a:rPr lang="en-US" dirty="0"/>
+              <a:t>Glassdoor treated data scraping as a breach of their terms and services. This limited our search for descriptions from their website. </a:t>
+            </a:r>
+          </a:p>
+          <a:p>
+            <a:r>
+              <a:rPr lang="en-US" dirty="0"/>
+              <a:t>Our original vision was to create a web application that scraps and returns the combined results of the most recent job listings from Glassdoor, Indeed, Monster and CareerBuilder. However the current tools and method we use are too slow and cause too much delay, thus not practical.</a:t>
+            </a:r>
+          </a:p>
+        </p:txBody>
+      </p:sp>
+    </p:spTree>
+    <p:extLst>
+      <p:ext uri="{BB962C8B-B14F-4D97-AF65-F5344CB8AC3E}">
+        <p14:creationId xmlns:p14="http://schemas.microsoft.com/office/powerpoint/2010/main" val="277245991"/>
       </p:ext>
     </p:extLst>
   </p:cSld>
@@ -6186,7 +6446,7 @@
           <a:p>
             <a:r>
               <a:rPr lang="en-US" sz="2800" dirty="0"/>
-              <a:t>Keyword Analysis of current open Data Science Jobs</a:t>
+              <a:t>Keyword Analysis for most in-demand skills from current open Data Science Jobs</a:t>
             </a:r>
           </a:p>
           <a:p>
@@ -6496,7 +6756,7 @@
             <a:pPr lvl="1"/>
             <a:r>
               <a:rPr lang="en-US" sz="2000" dirty="0"/>
-              <a:t>Job Description</a:t>
+              <a:t>Job Description </a:t>
             </a:r>
           </a:p>
           <a:p>
@@ -6584,8 +6844,8 @@
         </p:nvSpPr>
         <p:spPr>
           <a:xfrm>
-            <a:off x="677334" y="1752601"/>
-            <a:ext cx="8504766" cy="3438524"/>
+            <a:off x="677334" y="1752600"/>
+            <a:ext cx="8504766" cy="4495799"/>
           </a:xfrm>
         </p:spPr>
         <p:txBody>
@@ -6602,7 +6862,15 @@
           <a:p>
             <a:r>
               <a:rPr lang="en-US" sz="2400" dirty="0"/>
-              <a:t>Create a dictionary for each Job Listing</a:t>
+              <a:t>Create </a:t>
+            </a:r>
+            <a:r>
+              <a:rPr lang="en-US" sz="2400" dirty="0" err="1"/>
+              <a:t>DataFrames</a:t>
+            </a:r>
+            <a:r>
+              <a:rPr lang="en-US" sz="2400" dirty="0"/>
+              <a:t> for Job Listings</a:t>
             </a:r>
           </a:p>
           <a:p>
@@ -6614,7 +6882,21 @@
           <a:p>
             <a:r>
               <a:rPr lang="en-US" sz="2400" dirty="0"/>
-              <a:t>Save dictionaries in a MongoDB collection</a:t>
+              <a:t>Clean Entries, Remove formatting and extra information</a:t>
+            </a:r>
+          </a:p>
+          <a:p>
+            <a:r>
+              <a:rPr lang="en-US" sz="2400" dirty="0"/>
+              <a:t>Convert </a:t>
+            </a:r>
+            <a:r>
+              <a:rPr lang="en-US" sz="2400" dirty="0" err="1"/>
+              <a:t>DataFrames</a:t>
+            </a:r>
+            <a:r>
+              <a:rPr lang="en-US" sz="2400" dirty="0"/>
+              <a:t> to and Load dictionaries into a MongoDB collection</a:t>
             </a:r>
           </a:p>
           <a:p>
@@ -6751,7 +7033,15 @@
           <a:p>
             <a:r>
               <a:rPr lang="en-US" sz="2400" dirty="0"/>
-              <a:t>Unable to pull the Job Description from each listing</a:t>
+              <a:t>Running into </a:t>
+            </a:r>
+            <a:r>
+              <a:rPr lang="en-US" sz="2400" dirty="0" err="1"/>
+              <a:t>Catchas</a:t>
+            </a:r>
+            <a:r>
+              <a:rPr lang="en-US" sz="2400" dirty="0"/>
+              <a:t> while scraping data</a:t>
             </a:r>
           </a:p>
           <a:p>
@@ -6916,6 +7206,127 @@
           <p:cNvPr id="2" name="Title 1">
             <a:extLst>
               <a:ext uri="{FF2B5EF4-FFF2-40B4-BE49-F238E27FC236}">
+                <a16:creationId xmlns:a16="http://schemas.microsoft.com/office/drawing/2014/main" id="{7D88F023-05B7-45F5-8F0E-9BE12CE328C6}"/>
+              </a:ext>
+            </a:extLst>
+          </p:cNvPr>
+          <p:cNvSpPr>
+            <a:spLocks noGrp="1"/>
+          </p:cNvSpPr>
+          <p:nvPr>
+            <p:ph type="title"/>
+          </p:nvPr>
+        </p:nvSpPr>
+        <p:spPr/>
+        <p:txBody>
+          <a:bodyPr/>
+          <a:lstStyle/>
+          <a:p>
+            <a:r>
+              <a:rPr lang="en-US" dirty="0"/>
+              <a:t>Where should you move to cont.</a:t>
+            </a:r>
+          </a:p>
+        </p:txBody>
+      </p:sp>
+      <p:sp>
+        <p:nvSpPr>
+          <p:cNvPr id="3" name="Content Placeholder 2">
+            <a:extLst>
+              <a:ext uri="{FF2B5EF4-FFF2-40B4-BE49-F238E27FC236}">
+                <a16:creationId xmlns:a16="http://schemas.microsoft.com/office/drawing/2014/main" id="{66B184FB-DB75-4683-82F0-B15E7CF65943}"/>
+              </a:ext>
+            </a:extLst>
+          </p:cNvPr>
+          <p:cNvSpPr>
+            <a:spLocks noGrp="1"/>
+          </p:cNvSpPr>
+          <p:nvPr>
+            <p:ph idx="1"/>
+          </p:nvPr>
+        </p:nvSpPr>
+        <p:spPr>
+          <a:xfrm>
+            <a:off x="677334" y="1488613"/>
+            <a:ext cx="8596668" cy="3880773"/>
+          </a:xfrm>
+        </p:spPr>
+        <p:txBody>
+          <a:bodyPr/>
+          <a:lstStyle/>
+          <a:p>
+            <a:r>
+              <a:rPr lang="en-US" dirty="0"/>
+              <a:t>Job distribution in top 50 cities in California that return most data science jobs </a:t>
+            </a:r>
+          </a:p>
+        </p:txBody>
+      </p:sp>
+      <p:pic>
+        <p:nvPicPr>
+          <p:cNvPr id="6" name="Picture 5">
+            <a:extLst>
+              <a:ext uri="{FF2B5EF4-FFF2-40B4-BE49-F238E27FC236}">
+                <a16:creationId xmlns:a16="http://schemas.microsoft.com/office/drawing/2014/main" id="{D32CDD21-A533-41FC-A3E2-16BAD1924334}"/>
+              </a:ext>
+            </a:extLst>
+          </p:cNvPr>
+          <p:cNvPicPr>
+            <a:picLocks noChangeAspect="1"/>
+          </p:cNvPicPr>
+          <p:nvPr/>
+        </p:nvPicPr>
+        <p:blipFill>
+          <a:blip r:embed="rId2"/>
+          <a:stretch>
+            <a:fillRect/>
+          </a:stretch>
+        </p:blipFill>
+        <p:spPr>
+          <a:xfrm>
+            <a:off x="887768" y="2216181"/>
+            <a:ext cx="7767961" cy="4438835"/>
+          </a:xfrm>
+          <a:prstGeom prst="rect">
+            <a:avLst/>
+          </a:prstGeom>
+        </p:spPr>
+      </p:pic>
+    </p:spTree>
+    <p:extLst>
+      <p:ext uri="{BB962C8B-B14F-4D97-AF65-F5344CB8AC3E}">
+        <p14:creationId xmlns:p14="http://schemas.microsoft.com/office/powerpoint/2010/main" val="948590971"/>
+      </p:ext>
+    </p:extLst>
+  </p:cSld>
+  <p:clrMapOvr>
+    <a:masterClrMapping/>
+  </p:clrMapOvr>
+</p:sld>
+</file>
+
+<file path=ppt/slides/slide9.xml><?xml version="1.0" encoding="utf-8"?>
+<p:sld xmlns:a="http://schemas.openxmlformats.org/drawingml/2006/main" xmlns:r="http://schemas.openxmlformats.org/officeDocument/2006/relationships" xmlns:p="http://schemas.openxmlformats.org/presentationml/2006/main">
+  <p:cSld>
+    <p:spTree>
+      <p:nvGrpSpPr>
+        <p:cNvPr id="1" name=""/>
+        <p:cNvGrpSpPr/>
+        <p:nvPr/>
+      </p:nvGrpSpPr>
+      <p:grpSpPr>
+        <a:xfrm>
+          <a:off x="0" y="0"/>
+          <a:ext cx="0" cy="0"/>
+          <a:chOff x="0" y="0"/>
+          <a:chExt cx="0" cy="0"/>
+        </a:xfrm>
+      </p:grpSpPr>
+      <p:sp>
+        <p:nvSpPr>
+          <p:cNvPr id="2" name="Title 1">
+            <a:extLst>
+              <a:ext uri="{FF2B5EF4-FFF2-40B4-BE49-F238E27FC236}">
                 <a16:creationId xmlns:a16="http://schemas.microsoft.com/office/drawing/2014/main" id="{A9BA8C14-B4FB-49F7-AF1F-ED38A14B8F8D}"/>
               </a:ext>
             </a:extLst>
@@ -7006,127 +7417,6 @@
     <p:extLst>
       <p:ext uri="{BB962C8B-B14F-4D97-AF65-F5344CB8AC3E}">
         <p14:creationId xmlns:p14="http://schemas.microsoft.com/office/powerpoint/2010/main" val="2143453995"/>
-      </p:ext>
-    </p:extLst>
-  </p:cSld>
-  <p:clrMapOvr>
-    <a:masterClrMapping/>
-  </p:clrMapOvr>
-</p:sld>
-</file>
-
-<file path=ppt/slides/slide9.xml><?xml version="1.0" encoding="utf-8"?>
-<p:sld xmlns:a="http://schemas.openxmlformats.org/drawingml/2006/main" xmlns:r="http://schemas.openxmlformats.org/officeDocument/2006/relationships" xmlns:p="http://schemas.openxmlformats.org/presentationml/2006/main">
-  <p:cSld>
-    <p:spTree>
-      <p:nvGrpSpPr>
-        <p:cNvPr id="1" name=""/>
-        <p:cNvGrpSpPr/>
-        <p:nvPr/>
-      </p:nvGrpSpPr>
-      <p:grpSpPr>
-        <a:xfrm>
-          <a:off x="0" y="0"/>
-          <a:ext cx="0" cy="0"/>
-          <a:chOff x="0" y="0"/>
-          <a:chExt cx="0" cy="0"/>
-        </a:xfrm>
-      </p:grpSpPr>
-      <p:sp>
-        <p:nvSpPr>
-          <p:cNvPr id="2" name="Title 1">
-            <a:extLst>
-              <a:ext uri="{FF2B5EF4-FFF2-40B4-BE49-F238E27FC236}">
-                <a16:creationId xmlns:a16="http://schemas.microsoft.com/office/drawing/2014/main" id="{43763C2F-7797-419B-BC0A-313ECF0C17B1}"/>
-              </a:ext>
-            </a:extLst>
-          </p:cNvPr>
-          <p:cNvSpPr>
-            <a:spLocks noGrp="1"/>
-          </p:cNvSpPr>
-          <p:nvPr>
-            <p:ph type="title"/>
-          </p:nvPr>
-        </p:nvSpPr>
-        <p:spPr/>
-        <p:txBody>
-          <a:bodyPr/>
-          <a:lstStyle/>
-          <a:p>
-            <a:r>
-              <a:rPr lang="en-US" dirty="0"/>
-              <a:t>Which site should you visit most</a:t>
-            </a:r>
-          </a:p>
-        </p:txBody>
-      </p:sp>
-      <p:sp>
-        <p:nvSpPr>
-          <p:cNvPr id="3" name="Content Placeholder 2">
-            <a:extLst>
-              <a:ext uri="{FF2B5EF4-FFF2-40B4-BE49-F238E27FC236}">
-                <a16:creationId xmlns:a16="http://schemas.microsoft.com/office/drawing/2014/main" id="{4F5EC512-2010-4F58-8FF1-4D5764643645}"/>
-              </a:ext>
-            </a:extLst>
-          </p:cNvPr>
-          <p:cNvSpPr>
-            <a:spLocks noGrp="1"/>
-          </p:cNvSpPr>
-          <p:nvPr>
-            <p:ph idx="1"/>
-          </p:nvPr>
-        </p:nvSpPr>
-        <p:spPr>
-          <a:xfrm>
-            <a:off x="677334" y="1379540"/>
-            <a:ext cx="8285691" cy="477836"/>
-          </a:xfrm>
-        </p:spPr>
-        <p:txBody>
-          <a:bodyPr/>
-          <a:lstStyle/>
-          <a:p>
-            <a:r>
-              <a:rPr lang="en-US" dirty="0"/>
-              <a:t>Pie chart of data science jobs of the 4 sources</a:t>
-            </a:r>
-          </a:p>
-        </p:txBody>
-      </p:sp>
-      <p:pic>
-        <p:nvPicPr>
-          <p:cNvPr id="9" name="Picture 8" descr="A picture containing accessory, text, businesscard&#10;&#10;Description generated with high confidence">
-            <a:extLst>
-              <a:ext uri="{FF2B5EF4-FFF2-40B4-BE49-F238E27FC236}">
-                <a16:creationId xmlns:a16="http://schemas.microsoft.com/office/drawing/2014/main" id="{4C514D3B-A7CA-45B3-90D7-89EFD7648FB7}"/>
-              </a:ext>
-            </a:extLst>
-          </p:cNvPr>
-          <p:cNvPicPr>
-            <a:picLocks noChangeAspect="1"/>
-          </p:cNvPicPr>
-          <p:nvPr/>
-        </p:nvPicPr>
-        <p:blipFill>
-          <a:blip r:embed="rId2"/>
-          <a:stretch>
-            <a:fillRect/>
-          </a:stretch>
-        </p:blipFill>
-        <p:spPr>
-          <a:xfrm>
-            <a:off x="1819275" y="2009776"/>
-            <a:ext cx="5631656" cy="4505325"/>
-          </a:xfrm>
-          <a:prstGeom prst="rect">
-            <a:avLst/>
-          </a:prstGeom>
-        </p:spPr>
-      </p:pic>
-    </p:spTree>
-    <p:extLst>
-      <p:ext uri="{BB962C8B-B14F-4D97-AF65-F5344CB8AC3E}">
-        <p14:creationId xmlns:p14="http://schemas.microsoft.com/office/powerpoint/2010/main" val="3696980901"/>
       </p:ext>
     </p:extLst>
   </p:cSld>

--- a/ETL Presentation.pptx
+++ b/ETL Presentation.pptx
@@ -5964,10 +5964,10 @@
       </p:sp>
       <p:pic>
         <p:nvPicPr>
-          <p:cNvPr id="9" name="Picture 8" descr="A picture containing accessory, text, businesscard&#10;&#10;Description generated with high confidence">
+          <p:cNvPr id="7" name="Picture 6">
             <a:extLst>
               <a:ext uri="{FF2B5EF4-FFF2-40B4-BE49-F238E27FC236}">
-                <a16:creationId xmlns:a16="http://schemas.microsoft.com/office/drawing/2014/main" id="{4C514D3B-A7CA-45B3-90D7-89EFD7648FB7}"/>
+                <a16:creationId xmlns:a16="http://schemas.microsoft.com/office/drawing/2014/main" id="{D9F52752-DDC7-4C44-811E-1AE86A5ED940}"/>
               </a:ext>
             </a:extLst>
           </p:cNvPr>
@@ -5984,8 +5984,8 @@
         </p:blipFill>
         <p:spPr>
           <a:xfrm>
-            <a:off x="1819275" y="2009776"/>
-            <a:ext cx="5631656" cy="4505325"/>
+            <a:off x="1144983" y="1930400"/>
+            <a:ext cx="6159500" cy="4927600"/>
           </a:xfrm>
           <a:prstGeom prst="rect">
             <a:avLst/>

--- a/ETL Presentation.pptx
+++ b/ETL Presentation.pptx
@@ -847,7 +847,7 @@
             <a:fld id="{B61BEF0D-F0BB-DE4B-95CE-6DB70DBA9567}" type="datetimeFigureOut">
               <a:rPr lang="en-US" dirty="0"/>
               <a:pPr/>
-              <a:t>1/19/2019</a:t>
+              <a:t>1/20/2019</a:t>
             </a:fld>
             <a:endParaRPr lang="en-US" dirty="0"/>
           </a:p>
@@ -1095,7 +1095,7 @@
             <a:fld id="{B61BEF0D-F0BB-DE4B-95CE-6DB70DBA9567}" type="datetimeFigureOut">
               <a:rPr lang="en-US" dirty="0"/>
               <a:pPr/>
-              <a:t>1/19/2019</a:t>
+              <a:t>1/20/2019</a:t>
             </a:fld>
             <a:endParaRPr lang="en-US" dirty="0"/>
           </a:p>
@@ -1406,7 +1406,7 @@
             <a:fld id="{B61BEF0D-F0BB-DE4B-95CE-6DB70DBA9567}" type="datetimeFigureOut">
               <a:rPr lang="en-US" dirty="0"/>
               <a:pPr/>
-              <a:t>1/19/2019</a:t>
+              <a:t>1/20/2019</a:t>
             </a:fld>
             <a:endParaRPr lang="en-US" dirty="0"/>
           </a:p>
@@ -1744,7 +1744,7 @@
             <a:fld id="{B61BEF0D-F0BB-DE4B-95CE-6DB70DBA9567}" type="datetimeFigureOut">
               <a:rPr lang="en-US" dirty="0"/>
               <a:pPr/>
-              <a:t>1/19/2019</a:t>
+              <a:t>1/20/2019</a:t>
             </a:fld>
             <a:endParaRPr lang="en-US" dirty="0"/>
           </a:p>
@@ -2055,7 +2055,7 @@
             <a:fld id="{B61BEF0D-F0BB-DE4B-95CE-6DB70DBA9567}" type="datetimeFigureOut">
               <a:rPr lang="en-US" dirty="0"/>
               <a:pPr/>
-              <a:t>1/19/2019</a:t>
+              <a:t>1/20/2019</a:t>
             </a:fld>
             <a:endParaRPr lang="en-US" dirty="0"/>
           </a:p>
@@ -2445,7 +2445,7 @@
             <a:fld id="{B61BEF0D-F0BB-DE4B-95CE-6DB70DBA9567}" type="datetimeFigureOut">
               <a:rPr lang="en-US" dirty="0"/>
               <a:pPr/>
-              <a:t>1/19/2019</a:t>
+              <a:t>1/20/2019</a:t>
             </a:fld>
             <a:endParaRPr lang="en-US" dirty="0"/>
           </a:p>
@@ -2611,7 +2611,7 @@
           <a:p>
             <a:fld id="{55C6B4A9-1611-4792-9094-5F34BCA07E0B}" type="datetimeFigureOut">
               <a:rPr lang="en-US" dirty="0"/>
-              <a:t>1/19/2019</a:t>
+              <a:t>1/20/2019</a:t>
             </a:fld>
             <a:endParaRPr lang="en-US" dirty="0"/>
           </a:p>
@@ -2787,7 +2787,7 @@
             <a:fld id="{B61BEF0D-F0BB-DE4B-95CE-6DB70DBA9567}" type="datetimeFigureOut">
               <a:rPr lang="en-US" dirty="0"/>
               <a:pPr/>
-              <a:t>1/19/2019</a:t>
+              <a:t>1/20/2019</a:t>
             </a:fld>
             <a:endParaRPr lang="en-US" dirty="0"/>
           </a:p>
@@ -2960,7 +2960,7 @@
             <a:fld id="{B61BEF0D-F0BB-DE4B-95CE-6DB70DBA9567}" type="datetimeFigureOut">
               <a:rPr lang="en-US" dirty="0"/>
               <a:pPr/>
-              <a:t>1/19/2019</a:t>
+              <a:t>1/20/2019</a:t>
             </a:fld>
             <a:endParaRPr lang="en-US" dirty="0"/>
           </a:p>
@@ -3204,7 +3204,7 @@
             <a:fld id="{B61BEF0D-F0BB-DE4B-95CE-6DB70DBA9567}" type="datetimeFigureOut">
               <a:rPr lang="en-US" dirty="0"/>
               <a:pPr/>
-              <a:t>1/19/2019</a:t>
+              <a:t>1/20/2019</a:t>
             </a:fld>
             <a:endParaRPr lang="en-US" dirty="0"/>
           </a:p>
@@ -3432,7 +3432,7 @@
           <a:p>
             <a:fld id="{EB712588-04B1-427B-82EE-E8DB90309F08}" type="datetimeFigureOut">
               <a:rPr lang="en-US" dirty="0"/>
-              <a:t>1/19/2019</a:t>
+              <a:t>1/20/2019</a:t>
             </a:fld>
             <a:endParaRPr lang="en-US" dirty="0"/>
           </a:p>
@@ -3802,7 +3802,7 @@
             <a:fld id="{B61BEF0D-F0BB-DE4B-95CE-6DB70DBA9567}" type="datetimeFigureOut">
               <a:rPr lang="en-US" dirty="0"/>
               <a:pPr/>
-              <a:t>1/19/2019</a:t>
+              <a:t>1/20/2019</a:t>
             </a:fld>
             <a:endParaRPr lang="en-US" dirty="0"/>
           </a:p>
@@ -3922,7 +3922,7 @@
             <a:fld id="{B61BEF0D-F0BB-DE4B-95CE-6DB70DBA9567}" type="datetimeFigureOut">
               <a:rPr lang="en-US" dirty="0"/>
               <a:pPr/>
-              <a:t>1/19/2019</a:t>
+              <a:t>1/20/2019</a:t>
             </a:fld>
             <a:endParaRPr lang="en-US" dirty="0"/>
           </a:p>
@@ -4014,7 +4014,7 @@
             <a:fld id="{B61BEF0D-F0BB-DE4B-95CE-6DB70DBA9567}" type="datetimeFigureOut">
               <a:rPr lang="en-US" dirty="0"/>
               <a:pPr/>
-              <a:t>1/19/2019</a:t>
+              <a:t>1/20/2019</a:t>
             </a:fld>
             <a:endParaRPr lang="en-US" dirty="0"/>
           </a:p>
@@ -4265,7 +4265,7 @@
           <a:p>
             <a:fld id="{42A54C80-263E-416B-A8E0-580EDEADCBDC}" type="datetimeFigureOut">
               <a:rPr lang="en-US" dirty="0"/>
-              <a:t>1/19/2019</a:t>
+              <a:t>1/20/2019</a:t>
             </a:fld>
             <a:endParaRPr lang="en-US" dirty="0"/>
           </a:p>
@@ -4524,7 +4524,7 @@
             <a:fld id="{B61BEF0D-F0BB-DE4B-95CE-6DB70DBA9567}" type="datetimeFigureOut">
               <a:rPr lang="en-US" dirty="0"/>
               <a:pPr/>
-              <a:t>1/19/2019</a:t>
+              <a:t>1/20/2019</a:t>
             </a:fld>
             <a:endParaRPr lang="en-US" dirty="0"/>
           </a:p>
@@ -5264,7 +5264,7 @@
             <a:fld id="{B61BEF0D-F0BB-DE4B-95CE-6DB70DBA9567}" type="datetimeFigureOut">
               <a:rPr lang="en-US" dirty="0"/>
               <a:pPr/>
-              <a:t>1/19/2019</a:t>
+              <a:t>1/20/2019</a:t>
             </a:fld>
             <a:endParaRPr lang="en-US" dirty="0"/>
           </a:p>
@@ -6085,10 +6085,10 @@
       </p:sp>
       <p:pic>
         <p:nvPicPr>
-          <p:cNvPr id="5" name="Picture 4">
+          <p:cNvPr id="6" name="Picture 5">
             <a:extLst>
               <a:ext uri="{FF2B5EF4-FFF2-40B4-BE49-F238E27FC236}">
-                <a16:creationId xmlns:a16="http://schemas.microsoft.com/office/drawing/2014/main" id="{2A818607-D2B5-4C48-834F-FA090161545C}"/>
+                <a16:creationId xmlns:a16="http://schemas.microsoft.com/office/drawing/2014/main" id="{FFC908A8-52AA-4FA6-B4B6-D0F1DAFA43B3}"/>
               </a:ext>
             </a:extLst>
           </p:cNvPr>
@@ -6105,8 +6105,8 @@
         </p:blipFill>
         <p:spPr>
           <a:xfrm>
-            <a:off x="1380510" y="1976362"/>
-            <a:ext cx="7476066" cy="4272038"/>
+            <a:off x="994747" y="2139950"/>
+            <a:ext cx="7863503" cy="4493431"/>
           </a:xfrm>
           <a:prstGeom prst="rect">
             <a:avLst/>

--- a/ETL Presentation.pptx
+++ b/ETL Presentation.pptx
@@ -16,8 +16,9 @@
     <p:sldId id="266" r:id="rId10"/>
     <p:sldId id="263" r:id="rId11"/>
     <p:sldId id="264" r:id="rId12"/>
-    <p:sldId id="265" r:id="rId13"/>
-    <p:sldId id="268" r:id="rId14"/>
+    <p:sldId id="269" r:id="rId13"/>
+    <p:sldId id="265" r:id="rId14"/>
+    <p:sldId id="268" r:id="rId15"/>
   </p:sldIdLst>
   <p:sldSz cx="12192000" cy="6858000"/>
   <p:notesSz cx="6858000" cy="9144000"/>
@@ -6148,6 +6149,355 @@
           <p:cNvPr id="2" name="Title 1">
             <a:extLst>
               <a:ext uri="{FF2B5EF4-FFF2-40B4-BE49-F238E27FC236}">
+                <a16:creationId xmlns:a16="http://schemas.microsoft.com/office/drawing/2014/main" id="{DC7E288E-735A-45F0-BC26-595838528365}"/>
+              </a:ext>
+            </a:extLst>
+          </p:cNvPr>
+          <p:cNvSpPr>
+            <a:spLocks noGrp="1"/>
+          </p:cNvSpPr>
+          <p:nvPr>
+            <p:ph type="title"/>
+          </p:nvPr>
+        </p:nvSpPr>
+        <p:spPr/>
+        <p:txBody>
+          <a:bodyPr/>
+          <a:lstStyle/>
+          <a:p>
+            <a:r>
+              <a:rPr lang="en-US" dirty="0"/>
+              <a:t>Backgrounds Preferred</a:t>
+            </a:r>
+          </a:p>
+        </p:txBody>
+      </p:sp>
+      <p:pic>
+        <p:nvPicPr>
+          <p:cNvPr id="5" name="Content Placeholder 4">
+            <a:extLst>
+              <a:ext uri="{FF2B5EF4-FFF2-40B4-BE49-F238E27FC236}">
+                <a16:creationId xmlns:a16="http://schemas.microsoft.com/office/drawing/2014/main" id="{ADF1D692-E1DE-4399-AE3C-3008B0276618}"/>
+              </a:ext>
+            </a:extLst>
+          </p:cNvPr>
+          <p:cNvPicPr>
+            <a:picLocks noGrp="1" noChangeAspect="1"/>
+          </p:cNvPicPr>
+          <p:nvPr>
+            <p:ph idx="1"/>
+          </p:nvPr>
+        </p:nvPicPr>
+        <p:blipFill>
+          <a:blip r:embed="rId2"/>
+          <a:stretch>
+            <a:fillRect/>
+          </a:stretch>
+        </p:blipFill>
+        <p:spPr>
+          <a:xfrm>
+            <a:off x="1032854" y="2092325"/>
+            <a:ext cx="7885627" cy="4404065"/>
+          </a:xfrm>
+        </p:spPr>
+      </p:pic>
+      <p:sp>
+        <p:nvSpPr>
+          <p:cNvPr id="6" name="Content Placeholder 2">
+            <a:extLst>
+              <a:ext uri="{FF2B5EF4-FFF2-40B4-BE49-F238E27FC236}">
+                <a16:creationId xmlns:a16="http://schemas.microsoft.com/office/drawing/2014/main" id="{BA34FFBE-F0BA-4199-A97F-F05CB693BAF7}"/>
+              </a:ext>
+            </a:extLst>
+          </p:cNvPr>
+          <p:cNvSpPr txBox="1">
+            <a:spLocks/>
+          </p:cNvSpPr>
+          <p:nvPr/>
+        </p:nvSpPr>
+        <p:spPr>
+          <a:xfrm>
+            <a:off x="677334" y="1270000"/>
+            <a:ext cx="8447616" cy="439736"/>
+          </a:xfrm>
+          <a:prstGeom prst="rect">
+            <a:avLst/>
+          </a:prstGeom>
+        </p:spPr>
+        <p:txBody>
+          <a:bodyPr vert="horz" lIns="91440" tIns="45720" rIns="91440" bIns="45720" rtlCol="0">
+            <a:normAutofit/>
+          </a:bodyPr>
+          <a:lstStyle>
+            <a:lvl1pPr marL="342900" indent="-342900" algn="l" defTabSz="457200" rtl="0" eaLnBrk="1" latinLnBrk="0" hangingPunct="1">
+              <a:spcBef>
+                <a:spcPts val="1000"/>
+              </a:spcBef>
+              <a:spcAft>
+                <a:spcPts val="0"/>
+              </a:spcAft>
+              <a:buClr>
+                <a:schemeClr val="accent1"/>
+              </a:buClr>
+              <a:buSzPct val="80000"/>
+              <a:buFont typeface="Wingdings 3" charset="2"/>
+              <a:buChar char=""/>
+              <a:defRPr sz="1800" kern="1200">
+                <a:solidFill>
+                  <a:schemeClr val="tx1">
+                    <a:lumMod val="75000"/>
+                    <a:lumOff val="25000"/>
+                  </a:schemeClr>
+                </a:solidFill>
+                <a:latin typeface="+mn-lt"/>
+                <a:ea typeface="+mn-ea"/>
+                <a:cs typeface="+mn-cs"/>
+              </a:defRPr>
+            </a:lvl1pPr>
+            <a:lvl2pPr marL="742950" indent="-285750" algn="l" defTabSz="457200" rtl="0" eaLnBrk="1" latinLnBrk="0" hangingPunct="1">
+              <a:spcBef>
+                <a:spcPts val="1000"/>
+              </a:spcBef>
+              <a:spcAft>
+                <a:spcPts val="0"/>
+              </a:spcAft>
+              <a:buClr>
+                <a:schemeClr val="accent1"/>
+              </a:buClr>
+              <a:buSzPct val="80000"/>
+              <a:buFont typeface="Wingdings 3" charset="2"/>
+              <a:buChar char=""/>
+              <a:defRPr sz="1600" kern="1200">
+                <a:solidFill>
+                  <a:schemeClr val="tx1">
+                    <a:lumMod val="75000"/>
+                    <a:lumOff val="25000"/>
+                  </a:schemeClr>
+                </a:solidFill>
+                <a:latin typeface="+mn-lt"/>
+                <a:ea typeface="+mn-ea"/>
+                <a:cs typeface="+mn-cs"/>
+              </a:defRPr>
+            </a:lvl2pPr>
+            <a:lvl3pPr marL="1143000" indent="-228600" algn="l" defTabSz="457200" rtl="0" eaLnBrk="1" latinLnBrk="0" hangingPunct="1">
+              <a:spcBef>
+                <a:spcPts val="1000"/>
+              </a:spcBef>
+              <a:spcAft>
+                <a:spcPts val="0"/>
+              </a:spcAft>
+              <a:buClr>
+                <a:schemeClr val="accent1"/>
+              </a:buClr>
+              <a:buSzPct val="80000"/>
+              <a:buFont typeface="Wingdings 3" charset="2"/>
+              <a:buChar char=""/>
+              <a:defRPr sz="1400" kern="1200">
+                <a:solidFill>
+                  <a:schemeClr val="tx1">
+                    <a:lumMod val="75000"/>
+                    <a:lumOff val="25000"/>
+                  </a:schemeClr>
+                </a:solidFill>
+                <a:latin typeface="+mn-lt"/>
+                <a:ea typeface="+mn-ea"/>
+                <a:cs typeface="+mn-cs"/>
+              </a:defRPr>
+            </a:lvl3pPr>
+            <a:lvl4pPr marL="1600200" indent="-228600" algn="l" defTabSz="457200" rtl="0" eaLnBrk="1" latinLnBrk="0" hangingPunct="1">
+              <a:spcBef>
+                <a:spcPts val="1000"/>
+              </a:spcBef>
+              <a:spcAft>
+                <a:spcPts val="0"/>
+              </a:spcAft>
+              <a:buClr>
+                <a:schemeClr val="accent1"/>
+              </a:buClr>
+              <a:buSzPct val="80000"/>
+              <a:buFont typeface="Wingdings 3" charset="2"/>
+              <a:buChar char=""/>
+              <a:defRPr sz="1200" kern="1200">
+                <a:solidFill>
+                  <a:schemeClr val="tx1">
+                    <a:lumMod val="75000"/>
+                    <a:lumOff val="25000"/>
+                  </a:schemeClr>
+                </a:solidFill>
+                <a:latin typeface="+mn-lt"/>
+                <a:ea typeface="+mn-ea"/>
+                <a:cs typeface="+mn-cs"/>
+              </a:defRPr>
+            </a:lvl4pPr>
+            <a:lvl5pPr marL="2057400" indent="-228600" algn="l" defTabSz="457200" rtl="0" eaLnBrk="1" latinLnBrk="0" hangingPunct="1">
+              <a:spcBef>
+                <a:spcPts val="1000"/>
+              </a:spcBef>
+              <a:spcAft>
+                <a:spcPts val="0"/>
+              </a:spcAft>
+              <a:buClr>
+                <a:schemeClr val="accent1"/>
+              </a:buClr>
+              <a:buSzPct val="80000"/>
+              <a:buFont typeface="Wingdings 3" charset="2"/>
+              <a:buChar char=""/>
+              <a:defRPr sz="1200" kern="1200">
+                <a:solidFill>
+                  <a:schemeClr val="tx1">
+                    <a:lumMod val="75000"/>
+                    <a:lumOff val="25000"/>
+                  </a:schemeClr>
+                </a:solidFill>
+                <a:latin typeface="+mn-lt"/>
+                <a:ea typeface="+mn-ea"/>
+                <a:cs typeface="+mn-cs"/>
+              </a:defRPr>
+            </a:lvl5pPr>
+            <a:lvl6pPr marL="2514600" indent="-228600" algn="l" defTabSz="457200" rtl="0" eaLnBrk="1" latinLnBrk="0" hangingPunct="1">
+              <a:spcBef>
+                <a:spcPts val="1000"/>
+              </a:spcBef>
+              <a:spcAft>
+                <a:spcPts val="0"/>
+              </a:spcAft>
+              <a:buClr>
+                <a:schemeClr val="accent1"/>
+              </a:buClr>
+              <a:buSzPct val="80000"/>
+              <a:buFont typeface="Wingdings 3" charset="2"/>
+              <a:buChar char=""/>
+              <a:defRPr sz="1200" kern="1200">
+                <a:solidFill>
+                  <a:schemeClr val="tx1">
+                    <a:lumMod val="75000"/>
+                    <a:lumOff val="25000"/>
+                  </a:schemeClr>
+                </a:solidFill>
+                <a:latin typeface="+mn-lt"/>
+                <a:ea typeface="+mn-ea"/>
+                <a:cs typeface="+mn-cs"/>
+              </a:defRPr>
+            </a:lvl6pPr>
+            <a:lvl7pPr marL="2971800" indent="-228600" algn="l" defTabSz="457200" rtl="0" eaLnBrk="1" latinLnBrk="0" hangingPunct="1">
+              <a:spcBef>
+                <a:spcPts val="1000"/>
+              </a:spcBef>
+              <a:spcAft>
+                <a:spcPts val="0"/>
+              </a:spcAft>
+              <a:buClr>
+                <a:schemeClr val="accent1"/>
+              </a:buClr>
+              <a:buSzPct val="80000"/>
+              <a:buFont typeface="Wingdings 3" charset="2"/>
+              <a:buChar char=""/>
+              <a:defRPr sz="1200" kern="1200">
+                <a:solidFill>
+                  <a:schemeClr val="tx1">
+                    <a:lumMod val="75000"/>
+                    <a:lumOff val="25000"/>
+                  </a:schemeClr>
+                </a:solidFill>
+                <a:latin typeface="+mn-lt"/>
+                <a:ea typeface="+mn-ea"/>
+                <a:cs typeface="+mn-cs"/>
+              </a:defRPr>
+            </a:lvl7pPr>
+            <a:lvl8pPr marL="3429000" indent="-228600" algn="l" defTabSz="457200" rtl="0" eaLnBrk="1" latinLnBrk="0" hangingPunct="1">
+              <a:spcBef>
+                <a:spcPts val="1000"/>
+              </a:spcBef>
+              <a:spcAft>
+                <a:spcPts val="0"/>
+              </a:spcAft>
+              <a:buClr>
+                <a:schemeClr val="accent1"/>
+              </a:buClr>
+              <a:buSzPct val="80000"/>
+              <a:buFont typeface="Wingdings 3" charset="2"/>
+              <a:buChar char=""/>
+              <a:defRPr sz="1200" kern="1200">
+                <a:solidFill>
+                  <a:schemeClr val="tx1">
+                    <a:lumMod val="75000"/>
+                    <a:lumOff val="25000"/>
+                  </a:schemeClr>
+                </a:solidFill>
+                <a:latin typeface="+mn-lt"/>
+                <a:ea typeface="+mn-ea"/>
+                <a:cs typeface="+mn-cs"/>
+              </a:defRPr>
+            </a:lvl8pPr>
+            <a:lvl9pPr marL="3886200" indent="-228600" algn="l" defTabSz="457200" rtl="0" eaLnBrk="1" latinLnBrk="0" hangingPunct="1">
+              <a:spcBef>
+                <a:spcPts val="1000"/>
+              </a:spcBef>
+              <a:spcAft>
+                <a:spcPts val="0"/>
+              </a:spcAft>
+              <a:buClr>
+                <a:schemeClr val="accent1"/>
+              </a:buClr>
+              <a:buSzPct val="80000"/>
+              <a:buFont typeface="Wingdings 3" charset="2"/>
+              <a:buChar char=""/>
+              <a:defRPr sz="1200" kern="1200">
+                <a:solidFill>
+                  <a:schemeClr val="tx1">
+                    <a:lumMod val="75000"/>
+                    <a:lumOff val="25000"/>
+                  </a:schemeClr>
+                </a:solidFill>
+                <a:latin typeface="+mn-lt"/>
+                <a:ea typeface="+mn-ea"/>
+                <a:cs typeface="+mn-cs"/>
+              </a:defRPr>
+            </a:lvl9pPr>
+          </a:lstStyle>
+          <a:p>
+            <a:r>
+              <a:rPr lang="en-US" dirty="0"/>
+              <a:t>Academic keyword frequency in current Data Science job openings</a:t>
+            </a:r>
+          </a:p>
+        </p:txBody>
+      </p:sp>
+    </p:spTree>
+    <p:extLst>
+      <p:ext uri="{BB962C8B-B14F-4D97-AF65-F5344CB8AC3E}">
+        <p14:creationId xmlns:p14="http://schemas.microsoft.com/office/powerpoint/2010/main" val="3749848096"/>
+      </p:ext>
+    </p:extLst>
+  </p:cSld>
+  <p:clrMapOvr>
+    <a:masterClrMapping/>
+  </p:clrMapOvr>
+</p:sld>
+</file>
+
+<file path=ppt/slides/slide13.xml><?xml version="1.0" encoding="utf-8"?>
+<p:sld xmlns:a="http://schemas.openxmlformats.org/drawingml/2006/main" xmlns:r="http://schemas.openxmlformats.org/officeDocument/2006/relationships" xmlns:p="http://schemas.openxmlformats.org/presentationml/2006/main">
+  <p:cSld>
+    <p:spTree>
+      <p:nvGrpSpPr>
+        <p:cNvPr id="1" name=""/>
+        <p:cNvGrpSpPr/>
+        <p:nvPr/>
+      </p:nvGrpSpPr>
+      <p:grpSpPr>
+        <a:xfrm>
+          <a:off x="0" y="0"/>
+          <a:ext cx="0" cy="0"/>
+          <a:chOff x="0" y="0"/>
+          <a:chExt cx="0" cy="0"/>
+        </a:xfrm>
+      </p:grpSpPr>
+      <p:sp>
+        <p:nvSpPr>
+          <p:cNvPr id="2" name="Title 1">
+            <a:extLst>
+              <a:ext uri="{FF2B5EF4-FFF2-40B4-BE49-F238E27FC236}">
                 <a16:creationId xmlns:a16="http://schemas.microsoft.com/office/drawing/2014/main" id="{8849425D-A925-44B0-88AB-98CF6EDFEEEC}"/>
               </a:ext>
             </a:extLst>
@@ -6259,7 +6609,7 @@
 </p:sld>
 </file>
 
-<file path=ppt/slides/slide13.xml><?xml version="1.0" encoding="utf-8"?>
+<file path=ppt/slides/slide14.xml><?xml version="1.0" encoding="utf-8"?>
 <p:sld xmlns:a="http://schemas.openxmlformats.org/drawingml/2006/main" xmlns:r="http://schemas.openxmlformats.org/officeDocument/2006/relationships" xmlns:p="http://schemas.openxmlformats.org/presentationml/2006/main">
   <p:cSld>
     <p:spTree>
